--- a/Behaglichkeitsdiagramm.pptx
+++ b/Behaglichkeitsdiagramm.pptx
@@ -467,6 +467,445 @@
     </a:lvl9pPr>
   </p:notesStyle>
 </p:notesMaster>
+</file>
+
+<file path=ppt/notesSlides/notesSlide1.xml><?xml version="1.0" encoding="utf-8"?>
+<p:notes xmlns:a="http://schemas.openxmlformats.org/drawingml/2006/main" xmlns:r="http://schemas.openxmlformats.org/officeDocument/2006/relationships" xmlns:p="http://schemas.openxmlformats.org/presentationml/2006/main">
+  <p:cSld>
+    <p:spTree>
+      <p:nvGrpSpPr>
+        <p:cNvPr id="1" name=""/>
+        <p:cNvGrpSpPr/>
+        <p:nvPr/>
+      </p:nvGrpSpPr>
+      <p:grpSpPr>
+        <a:xfrm>
+          <a:off x="0" y="0"/>
+          <a:ext cx="0" cy="0"/>
+          <a:chOff x="0" y="0"/>
+          <a:chExt cx="0" cy="0"/>
+        </a:xfrm>
+      </p:grpSpPr>
+      <p:sp>
+        <p:nvSpPr>
+          <p:cNvPr id="2" name="Folienbildplatzhalter 1"/>
+          <p:cNvSpPr>
+            <a:spLocks noGrp="1" noRot="1" noChangeAspect="1"/>
+          </p:cNvSpPr>
+          <p:nvPr>
+            <p:ph type="sldImg"/>
+          </p:nvPr>
+        </p:nvSpPr>
+        <p:spPr/>
+      </p:sp>
+      <p:sp>
+        <p:nvSpPr>
+          <p:cNvPr id="3" name="Notizenplatzhalter 2"/>
+          <p:cNvSpPr>
+            <a:spLocks noGrp="1"/>
+          </p:cNvSpPr>
+          <p:nvPr>
+            <p:ph type="body" idx="1"/>
+          </p:nvPr>
+        </p:nvSpPr>
+        <p:spPr/>
+        <p:txBody>
+          <a:bodyPr/>
+          <a:lstStyle/>
+          <a:p>
+            <a:r>
+              <a:rPr lang="de-DE" dirty="0"/>
+              <a:t>Katja</a:t>
+            </a:r>
+          </a:p>
+        </p:txBody>
+      </p:sp>
+      <p:sp>
+        <p:nvSpPr>
+          <p:cNvPr id="4" name="Foliennummernplatzhalter 3"/>
+          <p:cNvSpPr>
+            <a:spLocks noGrp="1"/>
+          </p:cNvSpPr>
+          <p:nvPr>
+            <p:ph type="sldNum" sz="quarter" idx="5"/>
+          </p:nvPr>
+        </p:nvSpPr>
+        <p:spPr/>
+        <p:txBody>
+          <a:bodyPr/>
+          <a:lstStyle/>
+          <a:p>
+            <a:fld id="{18437F36-4D9E-BD4D-A971-925C962EA29B}" type="slidenum">
+              <a:rPr lang="de-DE" smtClean="0"/>
+              <a:t>2</a:t>
+            </a:fld>
+            <a:endParaRPr lang="de-DE"/>
+          </a:p>
+        </p:txBody>
+      </p:sp>
+    </p:spTree>
+    <p:extLst>
+      <p:ext uri="{BB962C8B-B14F-4D97-AF65-F5344CB8AC3E}">
+        <p14:creationId xmlns:p14="http://schemas.microsoft.com/office/powerpoint/2010/main" val="3511721058"/>
+      </p:ext>
+    </p:extLst>
+  </p:cSld>
+  <p:clrMapOvr>
+    <a:masterClrMapping/>
+  </p:clrMapOvr>
+</p:notes>
+</file>
+
+<file path=ppt/notesSlides/notesSlide2.xml><?xml version="1.0" encoding="utf-8"?>
+<p:notes xmlns:a="http://schemas.openxmlformats.org/drawingml/2006/main" xmlns:r="http://schemas.openxmlformats.org/officeDocument/2006/relationships" xmlns:p="http://schemas.openxmlformats.org/presentationml/2006/main">
+  <p:cSld>
+    <p:spTree>
+      <p:nvGrpSpPr>
+        <p:cNvPr id="1" name=""/>
+        <p:cNvGrpSpPr/>
+        <p:nvPr/>
+      </p:nvGrpSpPr>
+      <p:grpSpPr>
+        <a:xfrm>
+          <a:off x="0" y="0"/>
+          <a:ext cx="0" cy="0"/>
+          <a:chOff x="0" y="0"/>
+          <a:chExt cx="0" cy="0"/>
+        </a:xfrm>
+      </p:grpSpPr>
+      <p:sp>
+        <p:nvSpPr>
+          <p:cNvPr id="2" name="Folienbildplatzhalter 1"/>
+          <p:cNvSpPr>
+            <a:spLocks noGrp="1" noRot="1" noChangeAspect="1"/>
+          </p:cNvSpPr>
+          <p:nvPr>
+            <p:ph type="sldImg"/>
+          </p:nvPr>
+        </p:nvSpPr>
+        <p:spPr/>
+      </p:sp>
+      <p:sp>
+        <p:nvSpPr>
+          <p:cNvPr id="3" name="Notizenplatzhalter 2"/>
+          <p:cNvSpPr>
+            <a:spLocks noGrp="1"/>
+          </p:cNvSpPr>
+          <p:nvPr>
+            <p:ph type="body" idx="1"/>
+          </p:nvPr>
+        </p:nvSpPr>
+        <p:spPr/>
+        <p:txBody>
+          <a:bodyPr/>
+          <a:lstStyle/>
+          <a:p>
+            <a:r>
+              <a:rPr lang="de-DE" dirty="0"/>
+              <a:t>Katja</a:t>
+            </a:r>
+          </a:p>
+        </p:txBody>
+      </p:sp>
+      <p:sp>
+        <p:nvSpPr>
+          <p:cNvPr id="4" name="Foliennummernplatzhalter 3"/>
+          <p:cNvSpPr>
+            <a:spLocks noGrp="1"/>
+          </p:cNvSpPr>
+          <p:nvPr>
+            <p:ph type="sldNum" sz="quarter" idx="5"/>
+          </p:nvPr>
+        </p:nvSpPr>
+        <p:spPr/>
+        <p:txBody>
+          <a:bodyPr/>
+          <a:lstStyle/>
+          <a:p>
+            <a:fld id="{18437F36-4D9E-BD4D-A971-925C962EA29B}" type="slidenum">
+              <a:rPr lang="de-DE" smtClean="0"/>
+              <a:t>3</a:t>
+            </a:fld>
+            <a:endParaRPr lang="de-DE"/>
+          </a:p>
+        </p:txBody>
+      </p:sp>
+    </p:spTree>
+    <p:extLst>
+      <p:ext uri="{BB962C8B-B14F-4D97-AF65-F5344CB8AC3E}">
+        <p14:creationId xmlns:p14="http://schemas.microsoft.com/office/powerpoint/2010/main" val="2931578682"/>
+      </p:ext>
+    </p:extLst>
+  </p:cSld>
+  <p:clrMapOvr>
+    <a:masterClrMapping/>
+  </p:clrMapOvr>
+</p:notes>
+</file>
+
+<file path=ppt/notesSlides/notesSlide3.xml><?xml version="1.0" encoding="utf-8"?>
+<p:notes xmlns:a="http://schemas.openxmlformats.org/drawingml/2006/main" xmlns:r="http://schemas.openxmlformats.org/officeDocument/2006/relationships" xmlns:p="http://schemas.openxmlformats.org/presentationml/2006/main">
+  <p:cSld>
+    <p:spTree>
+      <p:nvGrpSpPr>
+        <p:cNvPr id="1" name=""/>
+        <p:cNvGrpSpPr/>
+        <p:nvPr/>
+      </p:nvGrpSpPr>
+      <p:grpSpPr>
+        <a:xfrm>
+          <a:off x="0" y="0"/>
+          <a:ext cx="0" cy="0"/>
+          <a:chOff x="0" y="0"/>
+          <a:chExt cx="0" cy="0"/>
+        </a:xfrm>
+      </p:grpSpPr>
+      <p:sp>
+        <p:nvSpPr>
+          <p:cNvPr id="2" name="Folienbildplatzhalter 1"/>
+          <p:cNvSpPr>
+            <a:spLocks noGrp="1" noRot="1" noChangeAspect="1"/>
+          </p:cNvSpPr>
+          <p:nvPr>
+            <p:ph type="sldImg"/>
+          </p:nvPr>
+        </p:nvSpPr>
+        <p:spPr/>
+      </p:sp>
+      <p:sp>
+        <p:nvSpPr>
+          <p:cNvPr id="3" name="Notizenplatzhalter 2"/>
+          <p:cNvSpPr>
+            <a:spLocks noGrp="1"/>
+          </p:cNvSpPr>
+          <p:nvPr>
+            <p:ph type="body" idx="1"/>
+          </p:nvPr>
+        </p:nvSpPr>
+        <p:spPr/>
+        <p:txBody>
+          <a:bodyPr/>
+          <a:lstStyle/>
+          <a:p>
+            <a:r>
+              <a:rPr lang="de-DE" dirty="0"/>
+              <a:t>Marie beginnt und übergibt an Katja</a:t>
+            </a:r>
+          </a:p>
+        </p:txBody>
+      </p:sp>
+      <p:sp>
+        <p:nvSpPr>
+          <p:cNvPr id="4" name="Foliennummernplatzhalter 3"/>
+          <p:cNvSpPr>
+            <a:spLocks noGrp="1"/>
+          </p:cNvSpPr>
+          <p:nvPr>
+            <p:ph type="sldNum" sz="quarter" idx="5"/>
+          </p:nvPr>
+        </p:nvSpPr>
+        <p:spPr/>
+        <p:txBody>
+          <a:bodyPr/>
+          <a:lstStyle/>
+          <a:p>
+            <a:fld id="{18437F36-4D9E-BD4D-A971-925C962EA29B}" type="slidenum">
+              <a:rPr lang="de-DE" smtClean="0"/>
+              <a:t>4</a:t>
+            </a:fld>
+            <a:endParaRPr lang="de-DE"/>
+          </a:p>
+        </p:txBody>
+      </p:sp>
+    </p:spTree>
+    <p:extLst>
+      <p:ext uri="{BB962C8B-B14F-4D97-AF65-F5344CB8AC3E}">
+        <p14:creationId xmlns:p14="http://schemas.microsoft.com/office/powerpoint/2010/main" val="4168116631"/>
+      </p:ext>
+    </p:extLst>
+  </p:cSld>
+  <p:clrMapOvr>
+    <a:masterClrMapping/>
+  </p:clrMapOvr>
+</p:notes>
+</file>
+
+<file path=ppt/notesSlides/notesSlide4.xml><?xml version="1.0" encoding="utf-8"?>
+<p:notes xmlns:a="http://schemas.openxmlformats.org/drawingml/2006/main" xmlns:r="http://schemas.openxmlformats.org/officeDocument/2006/relationships" xmlns:p="http://schemas.openxmlformats.org/presentationml/2006/main">
+  <p:cSld>
+    <p:spTree>
+      <p:nvGrpSpPr>
+        <p:cNvPr id="1" name=""/>
+        <p:cNvGrpSpPr/>
+        <p:nvPr/>
+      </p:nvGrpSpPr>
+      <p:grpSpPr>
+        <a:xfrm>
+          <a:off x="0" y="0"/>
+          <a:ext cx="0" cy="0"/>
+          <a:chOff x="0" y="0"/>
+          <a:chExt cx="0" cy="0"/>
+        </a:xfrm>
+      </p:grpSpPr>
+      <p:sp>
+        <p:nvSpPr>
+          <p:cNvPr id="2" name="Folienbildplatzhalter 1"/>
+          <p:cNvSpPr>
+            <a:spLocks noGrp="1" noRot="1" noChangeAspect="1"/>
+          </p:cNvSpPr>
+          <p:nvPr>
+            <p:ph type="sldImg"/>
+          </p:nvPr>
+        </p:nvSpPr>
+        <p:spPr/>
+      </p:sp>
+      <p:sp>
+        <p:nvSpPr>
+          <p:cNvPr id="3" name="Notizenplatzhalter 2"/>
+          <p:cNvSpPr>
+            <a:spLocks noGrp="1"/>
+          </p:cNvSpPr>
+          <p:nvPr>
+            <p:ph type="body" idx="1"/>
+          </p:nvPr>
+        </p:nvSpPr>
+        <p:spPr/>
+        <p:txBody>
+          <a:bodyPr/>
+          <a:lstStyle/>
+          <a:p>
+            <a:r>
+              <a:rPr lang="de-DE" dirty="0"/>
+              <a:t>Katja</a:t>
+            </a:r>
+          </a:p>
+        </p:txBody>
+      </p:sp>
+      <p:sp>
+        <p:nvSpPr>
+          <p:cNvPr id="4" name="Foliennummernplatzhalter 3"/>
+          <p:cNvSpPr>
+            <a:spLocks noGrp="1"/>
+          </p:cNvSpPr>
+          <p:nvPr>
+            <p:ph type="sldNum" sz="quarter" idx="5"/>
+          </p:nvPr>
+        </p:nvSpPr>
+        <p:spPr/>
+        <p:txBody>
+          <a:bodyPr/>
+          <a:lstStyle/>
+          <a:p>
+            <a:fld id="{18437F36-4D9E-BD4D-A971-925C962EA29B}" type="slidenum">
+              <a:rPr lang="de-DE" smtClean="0"/>
+              <a:t>5</a:t>
+            </a:fld>
+            <a:endParaRPr lang="de-DE"/>
+          </a:p>
+        </p:txBody>
+      </p:sp>
+    </p:spTree>
+    <p:extLst>
+      <p:ext uri="{BB962C8B-B14F-4D97-AF65-F5344CB8AC3E}">
+        <p14:creationId xmlns:p14="http://schemas.microsoft.com/office/powerpoint/2010/main" val="644113886"/>
+      </p:ext>
+    </p:extLst>
+  </p:cSld>
+  <p:clrMapOvr>
+    <a:masterClrMapping/>
+  </p:clrMapOvr>
+</p:notes>
+</file>
+
+<file path=ppt/notesSlides/notesSlide5.xml><?xml version="1.0" encoding="utf-8"?>
+<p:notes xmlns:a="http://schemas.openxmlformats.org/drawingml/2006/main" xmlns:r="http://schemas.openxmlformats.org/officeDocument/2006/relationships" xmlns:p="http://schemas.openxmlformats.org/presentationml/2006/main">
+  <p:cSld>
+    <p:spTree>
+      <p:nvGrpSpPr>
+        <p:cNvPr id="1" name=""/>
+        <p:cNvGrpSpPr/>
+        <p:nvPr/>
+      </p:nvGrpSpPr>
+      <p:grpSpPr>
+        <a:xfrm>
+          <a:off x="0" y="0"/>
+          <a:ext cx="0" cy="0"/>
+          <a:chOff x="0" y="0"/>
+          <a:chExt cx="0" cy="0"/>
+        </a:xfrm>
+      </p:grpSpPr>
+      <p:sp>
+        <p:nvSpPr>
+          <p:cNvPr id="2" name="Folienbildplatzhalter 1"/>
+          <p:cNvSpPr>
+            <a:spLocks noGrp="1" noRot="1" noChangeAspect="1"/>
+          </p:cNvSpPr>
+          <p:nvPr>
+            <p:ph type="sldImg"/>
+          </p:nvPr>
+        </p:nvSpPr>
+        <p:spPr/>
+      </p:sp>
+      <p:sp>
+        <p:nvSpPr>
+          <p:cNvPr id="3" name="Notizenplatzhalter 2"/>
+          <p:cNvSpPr>
+            <a:spLocks noGrp="1"/>
+          </p:cNvSpPr>
+          <p:nvPr>
+            <p:ph type="body" idx="1"/>
+          </p:nvPr>
+        </p:nvSpPr>
+        <p:spPr/>
+        <p:txBody>
+          <a:bodyPr/>
+          <a:lstStyle/>
+          <a:p>
+            <a:r>
+              <a:rPr lang="de-DE" dirty="0"/>
+              <a:t>Marie </a:t>
+            </a:r>
+            <a:r>
+              <a:rPr lang="de-DE"/>
+              <a:t>inklusive Abschluss</a:t>
+            </a:r>
+          </a:p>
+        </p:txBody>
+      </p:sp>
+      <p:sp>
+        <p:nvSpPr>
+          <p:cNvPr id="4" name="Foliennummernplatzhalter 3"/>
+          <p:cNvSpPr>
+            <a:spLocks noGrp="1"/>
+          </p:cNvSpPr>
+          <p:nvPr>
+            <p:ph type="sldNum" sz="quarter" idx="5"/>
+          </p:nvPr>
+        </p:nvSpPr>
+        <p:spPr/>
+        <p:txBody>
+          <a:bodyPr/>
+          <a:lstStyle/>
+          <a:p>
+            <a:fld id="{18437F36-4D9E-BD4D-A971-925C962EA29B}" type="slidenum">
+              <a:rPr lang="de-DE" smtClean="0"/>
+              <a:t>6</a:t>
+            </a:fld>
+            <a:endParaRPr lang="de-DE"/>
+          </a:p>
+        </p:txBody>
+      </p:sp>
+    </p:spTree>
+    <p:extLst>
+      <p:ext uri="{BB962C8B-B14F-4D97-AF65-F5344CB8AC3E}">
+        <p14:creationId xmlns:p14="http://schemas.microsoft.com/office/powerpoint/2010/main" val="1699428546"/>
+      </p:ext>
+    </p:extLst>
+  </p:cSld>
+  <p:clrMapOvr>
+    <a:masterClrMapping/>
+  </p:clrMapOvr>
+</p:notes>
 </file>
 
 <file path=ppt/slideLayouts/slideLayout1.xml><?xml version="1.0" encoding="utf-8"?>
@@ -3958,9 +4397,27 @@
           <a:lstStyle/>
           <a:p>
             <a:r>
-              <a:rPr lang="de-DE" sz="2800"/>
+              <a:rPr lang="de-DE" sz="2800" dirty="0"/>
               <a:t>Behaglichkeitsdiagramm</a:t>
             </a:r>
+            <a:br>
+              <a:rPr lang="de-DE" sz="2800" dirty="0"/>
+            </a:br>
+            <a:br>
+              <a:rPr lang="de-DE" sz="2800" dirty="0"/>
+            </a:br>
+            <a:r>
+              <a:rPr lang="de-DE" sz="1600" dirty="0"/>
+              <a:t>Marie-Martine Koch-Raschle</a:t>
+            </a:r>
+            <a:br>
+              <a:rPr lang="de-DE" sz="1600" dirty="0"/>
+            </a:br>
+            <a:r>
+              <a:rPr lang="de-DE" sz="1600" dirty="0"/>
+              <a:t>Katja Baumgartner</a:t>
+            </a:r>
+            <a:endParaRPr lang="de-DE" sz="2800" dirty="0"/>
           </a:p>
         </p:txBody>
       </p:sp>
@@ -3993,7 +4450,7 @@
           <a:lstStyle/>
           <a:p>
             <a:r>
-              <a:rPr lang="de-DE"/>
+              <a:rPr lang="de-DE" dirty="0"/>
               <a:t>Erstellt in Processing</a:t>
             </a:r>
           </a:p>
@@ -4269,7 +4726,7 @@
           </p:nvPr>
         </p:nvPicPr>
         <p:blipFill rotWithShape="1">
-          <a:blip r:embed="rId2">
+          <a:blip r:embed="rId3">
             <a:extLst>
               <a:ext uri="{28A0092B-C50C-407E-A947-70E740481C1C}">
                 <a14:useLocalDpi xmlns:a14="http://schemas.microsoft.com/office/drawing/2010/main" val="0"/>
@@ -4280,8 +4737,8 @@
         </p:blipFill>
         <p:spPr bwMode="auto">
           <a:xfrm>
-            <a:off x="6172200" y="3548989"/>
-            <a:ext cx="5105400" cy="1811073"/>
+            <a:off x="5273221" y="3230088"/>
+            <a:ext cx="6360522" cy="2256311"/>
           </a:xfrm>
           <a:prstGeom prst="rect">
             <a:avLst/>
@@ -4493,9 +4950,12 @@
               <a:buNone/>
             </a:pPr>
             <a:r>
-              <a:rPr lang="de-DE" i="1" dirty="0"/>
-              <a:t>Link zur Ansicht</a:t>
-            </a:r>
+              <a:rPr lang="de-DE" i="1" dirty="0">
+                <a:hlinkClick r:id="rId3"/>
+              </a:rPr>
+              <a:t>Programmierung</a:t>
+            </a:r>
+            <a:endParaRPr lang="de-DE" i="1" dirty="0"/>
           </a:p>
         </p:txBody>
       </p:sp>
@@ -4731,9 +5191,12 @@
               <a:buNone/>
             </a:pPr>
             <a:r>
-              <a:rPr lang="de-DE" i="1" dirty="0"/>
-              <a:t>Link zum Code</a:t>
-            </a:r>
+              <a:rPr lang="de-DE" i="1" dirty="0">
+                <a:hlinkClick r:id="rId3"/>
+              </a:rPr>
+              <a:t>Programmierung</a:t>
+            </a:r>
+            <a:endParaRPr lang="de-DE" i="1" dirty="0"/>
           </a:p>
         </p:txBody>
       </p:sp>

--- a/Behaglichkeitsdiagramm.pptx
+++ b/Behaglichkeitsdiagramm.pptx
@@ -5,15 +5,16 @@
     <p:sldMasterId id="2147483686" r:id="rId1"/>
   </p:sldMasterIdLst>
   <p:notesMasterIdLst>
-    <p:notesMasterId r:id="rId8"/>
+    <p:notesMasterId r:id="rId9"/>
   </p:notesMasterIdLst>
   <p:sldIdLst>
     <p:sldId id="256" r:id="rId2"/>
     <p:sldId id="257" r:id="rId3"/>
     <p:sldId id="258" r:id="rId4"/>
     <p:sldId id="259" r:id="rId5"/>
-    <p:sldId id="260" r:id="rId6"/>
-    <p:sldId id="261" r:id="rId7"/>
+    <p:sldId id="262" r:id="rId6"/>
+    <p:sldId id="260" r:id="rId7"/>
+    <p:sldId id="261" r:id="rId8"/>
   </p:sldIdLst>
   <p:sldSz cx="12192000" cy="6858000"/>
   <p:notesSz cx="6858000" cy="9144000"/>
@@ -798,7 +799,7 @@
           <a:p>
             <a:fld id="{18437F36-4D9E-BD4D-A971-925C962EA29B}" type="slidenum">
               <a:rPr lang="de-DE" smtClean="0"/>
-              <a:t>5</a:t>
+              <a:t>6</a:t>
             </a:fld>
             <a:endParaRPr lang="de-DE"/>
           </a:p>
@@ -863,11 +864,7 @@
           <a:p>
             <a:r>
               <a:rPr lang="de-DE" dirty="0"/>
-              <a:t>Marie </a:t>
-            </a:r>
-            <a:r>
-              <a:rPr lang="de-DE"/>
-              <a:t>inklusive Abschluss</a:t>
+              <a:t>Marie inklusive Abschluss</a:t>
             </a:r>
           </a:p>
         </p:txBody>
@@ -889,7 +886,7 @@
           <a:p>
             <a:fld id="{18437F36-4D9E-BD4D-A971-925C962EA29B}" type="slidenum">
               <a:rPr lang="de-DE" smtClean="0"/>
-              <a:t>6</a:t>
+              <a:t>7</a:t>
             </a:fld>
             <a:endParaRPr lang="de-DE"/>
           </a:p>
@@ -5293,7 +5290,7 @@
           <p:cNvPr id="2" name="Titel 1">
             <a:extLst>
               <a:ext uri="{FF2B5EF4-FFF2-40B4-BE49-F238E27FC236}">
-                <a16:creationId xmlns:a16="http://schemas.microsoft.com/office/drawing/2014/main" id="{CB725297-DAB0-5E47-B1AC-6B02DBB4C46B}"/>
+                <a16:creationId xmlns:a16="http://schemas.microsoft.com/office/drawing/2014/main" id="{43FF39AF-CB50-524B-83B7-03C2D8E47EE4}"/>
               </a:ext>
             </a:extLst>
           </p:cNvPr>
@@ -5321,7 +5318,7 @@
           <p:cNvPr id="3" name="Inhaltsplatzhalter 2">
             <a:extLst>
               <a:ext uri="{FF2B5EF4-FFF2-40B4-BE49-F238E27FC236}">
-                <a16:creationId xmlns:a16="http://schemas.microsoft.com/office/drawing/2014/main" id="{F9926D38-361C-E24D-A418-9390F7790941}"/>
+                <a16:creationId xmlns:a16="http://schemas.microsoft.com/office/drawing/2014/main" id="{3D93FA70-29B3-8F4C-B608-9DF4742D193A}"/>
               </a:ext>
             </a:extLst>
           </p:cNvPr>
@@ -5334,62 +5331,27 @@
         </p:nvSpPr>
         <p:spPr/>
         <p:txBody>
-          <a:bodyPr>
-            <a:normAutofit/>
-          </a:bodyPr>
-          <a:lstStyle/>
-          <a:p>
-            <a:pPr fontAlgn="base"/>
-            <a:r>
-              <a:rPr lang="de-CH" dirty="0"/>
-              <a:t>Zusammenarbeit mit </a:t>
-            </a:r>
-            <a:r>
-              <a:rPr lang="de-CH" dirty="0" err="1"/>
-              <a:t>GitHub</a:t>
-            </a:r>
-            <a:r>
-              <a:rPr lang="de-CH" dirty="0"/>
-              <a:t> </a:t>
-            </a:r>
-          </a:p>
-          <a:p>
-            <a:pPr fontAlgn="base"/>
-            <a:r>
-              <a:rPr lang="de-CH" dirty="0"/>
-              <a:t>Beschriftung der Achsen  </a:t>
-            </a:r>
-          </a:p>
-          <a:p>
-            <a:pPr fontAlgn="base"/>
-            <a:r>
-              <a:rPr lang="de-CH" dirty="0"/>
-              <a:t>Einfügen der ersten Bilder </a:t>
-            </a:r>
-          </a:p>
-          <a:p>
-            <a:pPr fontAlgn="base"/>
-            <a:r>
-              <a:rPr lang="de-CH" dirty="0"/>
-              <a:t>Parametrisierung </a:t>
-            </a:r>
-          </a:p>
-          <a:p>
-            <a:pPr fontAlgn="base"/>
-            <a:r>
-              <a:rPr lang="de-CH" dirty="0"/>
-              <a:t>Bilder anpassen </a:t>
-            </a:r>
-          </a:p>
-          <a:p>
-            <a:pPr fontAlgn="base"/>
-            <a:r>
-              <a:rPr lang="de-CH" dirty="0"/>
-              <a:t>Farbverlauf verbessern </a:t>
-            </a:r>
-          </a:p>
-          <a:p>
-            <a:endParaRPr lang="de-DE" dirty="0"/>
+          <a:bodyPr/>
+          <a:lstStyle/>
+          <a:p>
+            <a:r>
+              <a:rPr lang="de-DE" dirty="0"/>
+              <a:t>Separater Start</a:t>
+            </a:r>
+          </a:p>
+          <a:p>
+            <a:pPr lvl="1"/>
+            <a:r>
+              <a:rPr lang="de-DE" dirty="0"/>
+              <a:t>Word-Dokument mit Übersicht</a:t>
+            </a:r>
+          </a:p>
+          <a:p>
+            <a:pPr lvl="1"/>
+            <a:r>
+              <a:rPr lang="de-DE" dirty="0"/>
+              <a:t>Farbverlauf in Processing</a:t>
+            </a:r>
           </a:p>
         </p:txBody>
       </p:sp>
@@ -5398,7 +5360,7 @@
           <p:cNvPr id="4" name="Inhaltsplatzhalter 3">
             <a:extLst>
               <a:ext uri="{FF2B5EF4-FFF2-40B4-BE49-F238E27FC236}">
-                <a16:creationId xmlns:a16="http://schemas.microsoft.com/office/drawing/2014/main" id="{D0B0E5DF-6957-D34F-A752-C442C87067DF}"/>
+                <a16:creationId xmlns:a16="http://schemas.microsoft.com/office/drawing/2014/main" id="{C5E180A1-7926-BC4C-8713-EFDDDA58FE1E}"/>
               </a:ext>
             </a:extLst>
           </p:cNvPr>
@@ -5411,50 +5373,10 @@
         </p:nvSpPr>
         <p:spPr/>
         <p:txBody>
-          <a:bodyPr>
-            <a:normAutofit/>
-          </a:bodyPr>
-          <a:lstStyle/>
-          <a:p>
-            <a:pPr marL="0" indent="0" fontAlgn="base">
-              <a:buNone/>
-            </a:pPr>
-            <a:r>
-              <a:rPr lang="de-CH" b="1" dirty="0"/>
-              <a:t>Feedback der </a:t>
-            </a:r>
-            <a:r>
-              <a:rPr lang="de-CH" b="1" dirty="0" err="1"/>
-              <a:t>MitstudentInnen</a:t>
-            </a:r>
-            <a:r>
-              <a:rPr lang="de-CH" b="1" dirty="0"/>
-              <a:t> einbauen: </a:t>
-            </a:r>
-          </a:p>
-          <a:p>
-            <a:pPr fontAlgn="base"/>
-            <a:r>
-              <a:rPr lang="de-CH" dirty="0"/>
-              <a:t>Titel einfügen </a:t>
-            </a:r>
-          </a:p>
-          <a:p>
-            <a:pPr fontAlgn="base"/>
-            <a:r>
-              <a:rPr lang="de-CH" dirty="0"/>
-              <a:t>Achsenabschnitte gleichmässig einteilen </a:t>
-            </a:r>
-          </a:p>
-          <a:p>
-            <a:pPr fontAlgn="base"/>
-            <a:r>
-              <a:rPr lang="de-CH" dirty="0"/>
-              <a:t>Ausblenden der Bilder dort, wo eine Beschriftung ist </a:t>
-            </a:r>
-          </a:p>
-          <a:p>
-            <a:endParaRPr lang="de-DE" dirty="0"/>
+          <a:bodyPr/>
+          <a:lstStyle/>
+          <a:p>
+            <a:endParaRPr lang="de-DE"/>
           </a:p>
         </p:txBody>
       </p:sp>
@@ -5463,7 +5385,7 @@
           <p:cNvPr id="5" name="Datumsplatzhalter 4">
             <a:extLst>
               <a:ext uri="{FF2B5EF4-FFF2-40B4-BE49-F238E27FC236}">
-                <a16:creationId xmlns:a16="http://schemas.microsoft.com/office/drawing/2014/main" id="{756E7736-8A99-D042-B1CA-75E059B02656}"/>
+                <a16:creationId xmlns:a16="http://schemas.microsoft.com/office/drawing/2014/main" id="{9A9AC99D-C2EF-8C4F-B637-F92EE0868DC4}"/>
               </a:ext>
             </a:extLst>
           </p:cNvPr>
@@ -5492,7 +5414,7 @@
           <p:cNvPr id="6" name="Foliennummernplatzhalter 5">
             <a:extLst>
               <a:ext uri="{FF2B5EF4-FFF2-40B4-BE49-F238E27FC236}">
-                <a16:creationId xmlns:a16="http://schemas.microsoft.com/office/drawing/2014/main" id="{0A21CCBC-5675-0240-BC1C-F326C38E5BBC}"/>
+                <a16:creationId xmlns:a16="http://schemas.microsoft.com/office/drawing/2014/main" id="{05924854-FF53-0E4B-A9D7-A0A10E59135F}"/>
               </a:ext>
             </a:extLst>
           </p:cNvPr>
@@ -5516,10 +5438,57 @@
           </a:p>
         </p:txBody>
       </p:sp>
+      <p:pic>
+        <p:nvPicPr>
+          <p:cNvPr id="7" name="Picture 4">
+            <a:extLst>
+              <a:ext uri="{FF2B5EF4-FFF2-40B4-BE49-F238E27FC236}">
+                <a16:creationId xmlns:a16="http://schemas.microsoft.com/office/drawing/2014/main" id="{4EA941D9-53E5-1D45-A4EB-09FB1ED22C13}"/>
+              </a:ext>
+            </a:extLst>
+          </p:cNvPr>
+          <p:cNvPicPr>
+            <a:picLocks noChangeAspect="1" noChangeArrowheads="1"/>
+          </p:cNvPicPr>
+          <p:nvPr/>
+        </p:nvPicPr>
+        <p:blipFill>
+          <a:blip r:embed="rId2">
+            <a:extLst>
+              <a:ext uri="{28A0092B-C50C-407E-A947-70E740481C1C}">
+                <a14:useLocalDpi xmlns:a14="http://schemas.microsoft.com/office/drawing/2010/main" val="0"/>
+              </a:ext>
+            </a:extLst>
+          </a:blip>
+          <a:srcRect/>
+          <a:stretch>
+            <a:fillRect/>
+          </a:stretch>
+        </p:blipFill>
+        <p:spPr bwMode="auto">
+          <a:xfrm>
+            <a:off x="4519140" y="2231954"/>
+            <a:ext cx="7188489" cy="4124396"/>
+          </a:xfrm>
+          <a:prstGeom prst="rect">
+            <a:avLst/>
+          </a:prstGeom>
+          <a:noFill/>
+          <a:extLst>
+            <a:ext uri="{909E8E84-426E-40DD-AFC4-6F175D3DCCD1}">
+              <a14:hiddenFill xmlns:a14="http://schemas.microsoft.com/office/drawing/2010/main">
+                <a:solidFill>
+                  <a:srgbClr val="FFFFFF"/>
+                </a:solidFill>
+              </a14:hiddenFill>
+            </a:ext>
+          </a:extLst>
+        </p:spPr>
+      </p:pic>
     </p:spTree>
     <p:extLst>
       <p:ext uri="{BB962C8B-B14F-4D97-AF65-F5344CB8AC3E}">
-        <p14:creationId xmlns:p14="http://schemas.microsoft.com/office/powerpoint/2010/main" val="624068869"/>
+        <p14:creationId xmlns:p14="http://schemas.microsoft.com/office/powerpoint/2010/main" val="1595272723"/>
       </p:ext>
     </p:extLst>
   </p:cSld>
@@ -5551,6 +5520,273 @@
           <p:cNvPr id="2" name="Titel 1">
             <a:extLst>
               <a:ext uri="{FF2B5EF4-FFF2-40B4-BE49-F238E27FC236}">
+                <a16:creationId xmlns:a16="http://schemas.microsoft.com/office/drawing/2014/main" id="{CB725297-DAB0-5E47-B1AC-6B02DBB4C46B}"/>
+              </a:ext>
+            </a:extLst>
+          </p:cNvPr>
+          <p:cNvSpPr>
+            <a:spLocks noGrp="1"/>
+          </p:cNvSpPr>
+          <p:nvPr>
+            <p:ph type="title"/>
+          </p:nvPr>
+        </p:nvSpPr>
+        <p:spPr/>
+        <p:txBody>
+          <a:bodyPr/>
+          <a:lstStyle/>
+          <a:p>
+            <a:r>
+              <a:rPr lang="de-DE" dirty="0"/>
+              <a:t>Prozess (Vorgehen)</a:t>
+            </a:r>
+          </a:p>
+        </p:txBody>
+      </p:sp>
+      <p:sp>
+        <p:nvSpPr>
+          <p:cNvPr id="3" name="Inhaltsplatzhalter 2">
+            <a:extLst>
+              <a:ext uri="{FF2B5EF4-FFF2-40B4-BE49-F238E27FC236}">
+                <a16:creationId xmlns:a16="http://schemas.microsoft.com/office/drawing/2014/main" id="{F9926D38-361C-E24D-A418-9390F7790941}"/>
+              </a:ext>
+            </a:extLst>
+          </p:cNvPr>
+          <p:cNvSpPr>
+            <a:spLocks noGrp="1"/>
+          </p:cNvSpPr>
+          <p:nvPr>
+            <p:ph sz="half" idx="1"/>
+          </p:nvPr>
+        </p:nvSpPr>
+        <p:spPr/>
+        <p:txBody>
+          <a:bodyPr>
+            <a:normAutofit/>
+          </a:bodyPr>
+          <a:lstStyle/>
+          <a:p>
+            <a:pPr fontAlgn="base"/>
+            <a:r>
+              <a:rPr lang="de-CH" dirty="0"/>
+              <a:t>Zusammenarbeit mit </a:t>
+            </a:r>
+            <a:r>
+              <a:rPr lang="de-CH" dirty="0" err="1"/>
+              <a:t>GitHub</a:t>
+            </a:r>
+            <a:r>
+              <a:rPr lang="de-CH" dirty="0"/>
+              <a:t> </a:t>
+            </a:r>
+          </a:p>
+          <a:p>
+            <a:pPr fontAlgn="base"/>
+            <a:r>
+              <a:rPr lang="de-CH" dirty="0"/>
+              <a:t>Beschriftung der Achsen  </a:t>
+            </a:r>
+          </a:p>
+          <a:p>
+            <a:pPr fontAlgn="base"/>
+            <a:r>
+              <a:rPr lang="de-CH" dirty="0"/>
+              <a:t>Einfügen der ersten Bilder </a:t>
+            </a:r>
+          </a:p>
+          <a:p>
+            <a:pPr fontAlgn="base"/>
+            <a:r>
+              <a:rPr lang="de-CH" dirty="0"/>
+              <a:t>Parametrisierung </a:t>
+            </a:r>
+          </a:p>
+          <a:p>
+            <a:pPr fontAlgn="base"/>
+            <a:r>
+              <a:rPr lang="de-CH" dirty="0"/>
+              <a:t>Bilder anpassen </a:t>
+            </a:r>
+          </a:p>
+          <a:p>
+            <a:pPr fontAlgn="base"/>
+            <a:r>
+              <a:rPr lang="de-CH" dirty="0"/>
+              <a:t>Farbverlauf verbessern </a:t>
+            </a:r>
+          </a:p>
+          <a:p>
+            <a:endParaRPr lang="de-DE" dirty="0"/>
+          </a:p>
+        </p:txBody>
+      </p:sp>
+      <p:sp>
+        <p:nvSpPr>
+          <p:cNvPr id="4" name="Inhaltsplatzhalter 3">
+            <a:extLst>
+              <a:ext uri="{FF2B5EF4-FFF2-40B4-BE49-F238E27FC236}">
+                <a16:creationId xmlns:a16="http://schemas.microsoft.com/office/drawing/2014/main" id="{D0B0E5DF-6957-D34F-A752-C442C87067DF}"/>
+              </a:ext>
+            </a:extLst>
+          </p:cNvPr>
+          <p:cNvSpPr>
+            <a:spLocks noGrp="1"/>
+          </p:cNvSpPr>
+          <p:nvPr>
+            <p:ph sz="half" idx="2"/>
+          </p:nvPr>
+        </p:nvSpPr>
+        <p:spPr/>
+        <p:txBody>
+          <a:bodyPr>
+            <a:normAutofit/>
+          </a:bodyPr>
+          <a:lstStyle/>
+          <a:p>
+            <a:pPr marL="0" indent="0" fontAlgn="base">
+              <a:buNone/>
+            </a:pPr>
+            <a:r>
+              <a:rPr lang="de-CH" b="1" dirty="0"/>
+              <a:t>Feedback der </a:t>
+            </a:r>
+            <a:r>
+              <a:rPr lang="de-CH" b="1" dirty="0" err="1"/>
+              <a:t>MitstudentInnen</a:t>
+            </a:r>
+            <a:r>
+              <a:rPr lang="de-CH" b="1" dirty="0"/>
+              <a:t> einbauen: </a:t>
+            </a:r>
+          </a:p>
+          <a:p>
+            <a:pPr fontAlgn="base"/>
+            <a:r>
+              <a:rPr lang="de-CH" dirty="0"/>
+              <a:t>Titel einfügen </a:t>
+            </a:r>
+          </a:p>
+          <a:p>
+            <a:pPr fontAlgn="base"/>
+            <a:r>
+              <a:rPr lang="de-CH" dirty="0"/>
+              <a:t>Achsenabschnitte gleichmässig einteilen </a:t>
+            </a:r>
+          </a:p>
+          <a:p>
+            <a:pPr fontAlgn="base"/>
+            <a:r>
+              <a:rPr lang="de-CH" dirty="0"/>
+              <a:t>Ausblenden der Bilder dort, wo eine Beschriftung ist</a:t>
+            </a:r>
+          </a:p>
+          <a:p>
+            <a:pPr marL="0" indent="0" fontAlgn="base">
+              <a:buNone/>
+            </a:pPr>
+            <a:r>
+              <a:rPr lang="de-CH" dirty="0"/>
+              <a:t> </a:t>
+            </a:r>
+          </a:p>
+          <a:p>
+            <a:endParaRPr lang="de-DE" dirty="0"/>
+          </a:p>
+        </p:txBody>
+      </p:sp>
+      <p:sp>
+        <p:nvSpPr>
+          <p:cNvPr id="5" name="Datumsplatzhalter 4">
+            <a:extLst>
+              <a:ext uri="{FF2B5EF4-FFF2-40B4-BE49-F238E27FC236}">
+                <a16:creationId xmlns:a16="http://schemas.microsoft.com/office/drawing/2014/main" id="{756E7736-8A99-D042-B1CA-75E059B02656}"/>
+              </a:ext>
+            </a:extLst>
+          </p:cNvPr>
+          <p:cNvSpPr>
+            <a:spLocks noGrp="1"/>
+          </p:cNvSpPr>
+          <p:nvPr>
+            <p:ph type="dt" sz="half" idx="10"/>
+          </p:nvPr>
+        </p:nvSpPr>
+        <p:spPr/>
+        <p:txBody>
+          <a:bodyPr/>
+          <a:lstStyle/>
+          <a:p>
+            <a:r>
+              <a:rPr lang="de-CH"/>
+              <a:t>12/15/21</a:t>
+            </a:r>
+            <a:endParaRPr lang="en-US"/>
+          </a:p>
+        </p:txBody>
+      </p:sp>
+      <p:sp>
+        <p:nvSpPr>
+          <p:cNvPr id="6" name="Foliennummernplatzhalter 5">
+            <a:extLst>
+              <a:ext uri="{FF2B5EF4-FFF2-40B4-BE49-F238E27FC236}">
+                <a16:creationId xmlns:a16="http://schemas.microsoft.com/office/drawing/2014/main" id="{0A21CCBC-5675-0240-BC1C-F326C38E5BBC}"/>
+              </a:ext>
+            </a:extLst>
+          </p:cNvPr>
+          <p:cNvSpPr>
+            <a:spLocks noGrp="1"/>
+          </p:cNvSpPr>
+          <p:nvPr>
+            <p:ph type="sldNum" sz="quarter" idx="12"/>
+          </p:nvPr>
+        </p:nvSpPr>
+        <p:spPr/>
+        <p:txBody>
+          <a:bodyPr/>
+          <a:lstStyle/>
+          <a:p>
+            <a:fld id="{70C38C08-47C7-4847-B0BE-B9D8DEEB3D1B}" type="slidenum">
+              <a:rPr lang="en-US" smtClean="0"/>
+              <a:t>6</a:t>
+            </a:fld>
+            <a:endParaRPr lang="en-US"/>
+          </a:p>
+        </p:txBody>
+      </p:sp>
+    </p:spTree>
+    <p:extLst>
+      <p:ext uri="{BB962C8B-B14F-4D97-AF65-F5344CB8AC3E}">
+        <p14:creationId xmlns:p14="http://schemas.microsoft.com/office/powerpoint/2010/main" val="624068869"/>
+      </p:ext>
+    </p:extLst>
+  </p:cSld>
+  <p:clrMapOvr>
+    <a:masterClrMapping/>
+  </p:clrMapOvr>
+</p:sld>
+</file>
+
+<file path=ppt/slides/slide7.xml><?xml version="1.0" encoding="utf-8"?>
+<p:sld xmlns:a="http://schemas.openxmlformats.org/drawingml/2006/main" xmlns:r="http://schemas.openxmlformats.org/officeDocument/2006/relationships" xmlns:p="http://schemas.openxmlformats.org/presentationml/2006/main">
+  <p:cSld>
+    <p:spTree>
+      <p:nvGrpSpPr>
+        <p:cNvPr id="1" name=""/>
+        <p:cNvGrpSpPr/>
+        <p:nvPr/>
+      </p:nvGrpSpPr>
+      <p:grpSpPr>
+        <a:xfrm>
+          <a:off x="0" y="0"/>
+          <a:ext cx="0" cy="0"/>
+          <a:chOff x="0" y="0"/>
+          <a:chExt cx="0" cy="0"/>
+        </a:xfrm>
+      </p:grpSpPr>
+      <p:sp>
+        <p:nvSpPr>
+          <p:cNvPr id="2" name="Titel 1">
+            <a:extLst>
+              <a:ext uri="{FF2B5EF4-FFF2-40B4-BE49-F238E27FC236}">
                 <a16:creationId xmlns:a16="http://schemas.microsoft.com/office/drawing/2014/main" id="{E5AEA488-5FB8-BD41-A7FE-E0CED022EF9A}"/>
               </a:ext>
             </a:extLst>
@@ -5732,7 +5968,7 @@
           <a:p>
             <a:fld id="{70C38C08-47C7-4847-B0BE-B9D8DEEB3D1B}" type="slidenum">
               <a:rPr lang="en-US" smtClean="0"/>
-              <a:t>6</a:t>
+              <a:t>7</a:t>
             </a:fld>
             <a:endParaRPr lang="en-US"/>
           </a:p>
